--- a/Group Report/DemoSlides.pptx
+++ b/Group Report/DemoSlides.pptx
@@ -265,7 +265,7 @@
           <a:p>
             <a:fld id="{B086A20D-3C9F-4CE3-9503-9D9729E2E273}" type="datetimeFigureOut">
               <a:rPr lang="en-GB" smtClean="0"/>
-              <a:t>19/04/2018</a:t>
+              <a:t>20/04/2018</a:t>
             </a:fld>
             <a:endParaRPr lang="en-GB"/>
           </a:p>
@@ -465,7 +465,7 @@
           <a:p>
             <a:fld id="{B086A20D-3C9F-4CE3-9503-9D9729E2E273}" type="datetimeFigureOut">
               <a:rPr lang="en-GB" smtClean="0"/>
-              <a:t>19/04/2018</a:t>
+              <a:t>20/04/2018</a:t>
             </a:fld>
             <a:endParaRPr lang="en-GB"/>
           </a:p>
@@ -675,7 +675,7 @@
           <a:p>
             <a:fld id="{B086A20D-3C9F-4CE3-9503-9D9729E2E273}" type="datetimeFigureOut">
               <a:rPr lang="en-GB" smtClean="0"/>
-              <a:t>19/04/2018</a:t>
+              <a:t>20/04/2018</a:t>
             </a:fld>
             <a:endParaRPr lang="en-GB"/>
           </a:p>
@@ -875,7 +875,7 @@
           <a:p>
             <a:fld id="{B086A20D-3C9F-4CE3-9503-9D9729E2E273}" type="datetimeFigureOut">
               <a:rPr lang="en-GB" smtClean="0"/>
-              <a:t>19/04/2018</a:t>
+              <a:t>20/04/2018</a:t>
             </a:fld>
             <a:endParaRPr lang="en-GB"/>
           </a:p>
@@ -1151,7 +1151,7 @@
           <a:p>
             <a:fld id="{B086A20D-3C9F-4CE3-9503-9D9729E2E273}" type="datetimeFigureOut">
               <a:rPr lang="en-GB" smtClean="0"/>
-              <a:t>19/04/2018</a:t>
+              <a:t>20/04/2018</a:t>
             </a:fld>
             <a:endParaRPr lang="en-GB"/>
           </a:p>
@@ -1419,7 +1419,7 @@
           <a:p>
             <a:fld id="{B086A20D-3C9F-4CE3-9503-9D9729E2E273}" type="datetimeFigureOut">
               <a:rPr lang="en-GB" smtClean="0"/>
-              <a:t>19/04/2018</a:t>
+              <a:t>20/04/2018</a:t>
             </a:fld>
             <a:endParaRPr lang="en-GB"/>
           </a:p>
@@ -1834,7 +1834,7 @@
           <a:p>
             <a:fld id="{B086A20D-3C9F-4CE3-9503-9D9729E2E273}" type="datetimeFigureOut">
               <a:rPr lang="en-GB" smtClean="0"/>
-              <a:t>19/04/2018</a:t>
+              <a:t>20/04/2018</a:t>
             </a:fld>
             <a:endParaRPr lang="en-GB"/>
           </a:p>
@@ -1976,7 +1976,7 @@
           <a:p>
             <a:fld id="{B086A20D-3C9F-4CE3-9503-9D9729E2E273}" type="datetimeFigureOut">
               <a:rPr lang="en-GB" smtClean="0"/>
-              <a:t>19/04/2018</a:t>
+              <a:t>20/04/2018</a:t>
             </a:fld>
             <a:endParaRPr lang="en-GB"/>
           </a:p>
@@ -2089,7 +2089,7 @@
           <a:p>
             <a:fld id="{B086A20D-3C9F-4CE3-9503-9D9729E2E273}" type="datetimeFigureOut">
               <a:rPr lang="en-GB" smtClean="0"/>
-              <a:t>19/04/2018</a:t>
+              <a:t>20/04/2018</a:t>
             </a:fld>
             <a:endParaRPr lang="en-GB"/>
           </a:p>
@@ -2402,7 +2402,7 @@
           <a:p>
             <a:fld id="{B086A20D-3C9F-4CE3-9503-9D9729E2E273}" type="datetimeFigureOut">
               <a:rPr lang="en-GB" smtClean="0"/>
-              <a:t>19/04/2018</a:t>
+              <a:t>20/04/2018</a:t>
             </a:fld>
             <a:endParaRPr lang="en-GB"/>
           </a:p>
@@ -2691,7 +2691,7 @@
           <a:p>
             <a:fld id="{B086A20D-3C9F-4CE3-9503-9D9729E2E273}" type="datetimeFigureOut">
               <a:rPr lang="en-GB" smtClean="0"/>
-              <a:t>19/04/2018</a:t>
+              <a:t>20/04/2018</a:t>
             </a:fld>
             <a:endParaRPr lang="en-GB"/>
           </a:p>
@@ -2934,7 +2934,7 @@
           <a:p>
             <a:fld id="{B086A20D-3C9F-4CE3-9503-9D9729E2E273}" type="datetimeFigureOut">
               <a:rPr lang="en-GB" smtClean="0"/>
-              <a:t>19/04/2018</a:t>
+              <a:t>20/04/2018</a:t>
             </a:fld>
             <a:endParaRPr lang="en-GB"/>
           </a:p>
@@ -3541,7 +3541,7 @@
           <a:p>
             <a:r>
               <a:rPr lang="en-GB" dirty="0"/>
-              <a:t>Web Hosting: Not Applicable as of yet</a:t>
+              <a:t>Web Hosting: Shiny Server</a:t>
             </a:r>
           </a:p>
           <a:p>
